--- a/Pengenalan Anaconda Dan VS Code Jupyter Notebook.pptx
+++ b/Pengenalan Anaconda Dan VS Code Jupyter Notebook.pptx
@@ -6413,7 +6413,7 @@
                 <a:latin typeface="Cascadia Mono Light" panose="020B0609020000020004" charset="0"/>
                 <a:cs typeface="Cascadia Mono Light" panose="020B0609020000020004" charset="0"/>
               </a:rPr>
-              <a:t>conda create --name BelajarOpenCV python=3.7</a:t>
+              <a:t>conda create --name BelajarOpenCV python=3.8</a:t>
             </a:r>
             <a:endParaRPr lang="en-US" sz="1600">
               <a:latin typeface="Cascadia Mono Light" panose="020B0609020000020004" charset="0"/>
